--- a/threat-detection-wksp/presentations/threat-detection-wksp-module4-presentation.pptx
+++ b/threat-detection-wksp/presentations/threat-detection-wksp-module4-presentation.pptx
@@ -391,7 +391,7 @@
             <a:fld id="{0B25AC41-3BEC-9247-8322-91B80C013F2D}" type="datetimeFigureOut">
               <a:rPr lang="en-US" smtClean="0"/>
               <a:pPr/>
-              <a:t>6/13/18</a:t>
+              <a:t>7/10/18</a:t>
             </a:fld>
             <a:endParaRPr lang="en-US" dirty="0"/>
           </a:p>
@@ -6364,7 +6364,7 @@
                 <a:ea typeface="Amazon Ember" panose="020B0603020204020204" pitchFamily="34" charset="0"/>
                 <a:cs typeface="Amazon Ember" panose="020B0603020204020204" pitchFamily="34" charset="0"/>
               </a:rPr>
-              <a:t>Which two AWS service provide a historical configuration change audit? </a:t>
+              <a:t>Which two AWS services provide a historical configuration change audit? </a:t>
             </a:r>
           </a:p>
           <a:p>
@@ -6405,6 +6405,85 @@
   <p:clrMapOvr>
     <a:masterClrMapping/>
   </p:clrMapOvr>
+  <p:timing>
+    <p:tnLst>
+      <p:par>
+        <p:cTn id="1" dur="indefinite" restart="never" nodeType="tmRoot">
+          <p:childTnLst>
+            <p:seq concurrent="1" nextAc="seek">
+              <p:cTn id="2" dur="indefinite" nodeType="mainSeq">
+                <p:childTnLst>
+                  <p:par>
+                    <p:cTn id="3" fill="hold">
+                      <p:stCondLst>
+                        <p:cond delay="indefinite"/>
+                      </p:stCondLst>
+                      <p:childTnLst>
+                        <p:par>
+                          <p:cTn id="4" fill="hold">
+                            <p:stCondLst>
+                              <p:cond delay="0"/>
+                            </p:stCondLst>
+                            <p:childTnLst>
+                              <p:par>
+                                <p:cTn id="5" presetID="1" presetClass="entr" presetSubtype="0" fill="hold" nodeType="clickEffect">
+                                  <p:stCondLst>
+                                    <p:cond delay="0"/>
+                                  </p:stCondLst>
+                                  <p:childTnLst>
+                                    <p:set>
+                                      <p:cBhvr>
+                                        <p:cTn id="6" dur="1" fill="hold">
+                                          <p:stCondLst>
+                                            <p:cond delay="0"/>
+                                          </p:stCondLst>
+                                        </p:cTn>
+                                        <p:tgtEl>
+                                          <p:spTgt spid="3">
+                                            <p:txEl>
+                                              <p:pRg st="2" end="2"/>
+                                            </p:txEl>
+                                          </p:spTgt>
+                                        </p:tgtEl>
+                                        <p:attrNameLst>
+                                          <p:attrName>style.visibility</p:attrName>
+                                        </p:attrNameLst>
+                                      </p:cBhvr>
+                                      <p:to>
+                                        <p:strVal val="visible"/>
+                                      </p:to>
+                                    </p:set>
+                                  </p:childTnLst>
+                                </p:cTn>
+                              </p:par>
+                            </p:childTnLst>
+                          </p:cTn>
+                        </p:par>
+                      </p:childTnLst>
+                    </p:cTn>
+                  </p:par>
+                </p:childTnLst>
+              </p:cTn>
+              <p:prevCondLst>
+                <p:cond evt="onPrev" delay="0">
+                  <p:tgtEl>
+                    <p:sldTgt/>
+                  </p:tgtEl>
+                </p:cond>
+              </p:prevCondLst>
+              <p:nextCondLst>
+                <p:cond evt="onNext" delay="0">
+                  <p:tgtEl>
+                    <p:sldTgt/>
+                  </p:tgtEl>
+                </p:cond>
+              </p:nextCondLst>
+            </p:seq>
+          </p:childTnLst>
+        </p:cTn>
+      </p:par>
+    </p:tnLst>
+  </p:timing>
 </p:sld>
 </file>
 
@@ -6467,6 +6546,10 @@
           <a:bodyPr/>
           <a:lstStyle/>
           <a:p>
+            <a:pPr marL="285750" indent="-285750">
+              <a:buFont typeface="Arial" panose="020B0604020202020204" pitchFamily="34" charset="0"/>
+              <a:buChar char="•"/>
+            </a:pPr>
             <a:r>
               <a:rPr lang="en-US" sz="1800" dirty="0">
                 <a:latin typeface="Amazon Ember" panose="020B0603020204020204" pitchFamily="34" charset="0"/>
@@ -6477,6 +6560,10 @@
             </a:r>
           </a:p>
           <a:p>
+            <a:pPr marL="285750" indent="-285750">
+              <a:buFont typeface="Arial" panose="020B0604020202020204" pitchFamily="34" charset="0"/>
+              <a:buChar char="•"/>
+            </a:pPr>
             <a:endParaRPr lang="en-US" sz="1800" dirty="0">
               <a:latin typeface="Amazon Ember" panose="020B0603020204020204" pitchFamily="34" charset="0"/>
               <a:ea typeface="Amazon Ember" panose="020B0603020204020204" pitchFamily="34" charset="0"/>
@@ -6484,6 +6571,10 @@
             </a:endParaRPr>
           </a:p>
           <a:p>
+            <a:pPr marL="285750" indent="-285750">
+              <a:buFont typeface="Arial" panose="020B0604020202020204" pitchFamily="34" charset="0"/>
+              <a:buChar char="•"/>
+            </a:pPr>
             <a:r>
               <a:rPr lang="en-US" sz="1800" dirty="0">
                 <a:latin typeface="Amazon Ember" panose="020B0603020204020204" pitchFamily="34" charset="0"/>
@@ -6506,6 +6597,85 @@
   <p:clrMapOvr>
     <a:masterClrMapping/>
   </p:clrMapOvr>
+  <p:timing>
+    <p:tnLst>
+      <p:par>
+        <p:cTn id="1" dur="indefinite" restart="never" nodeType="tmRoot">
+          <p:childTnLst>
+            <p:seq concurrent="1" nextAc="seek">
+              <p:cTn id="2" dur="indefinite" nodeType="mainSeq">
+                <p:childTnLst>
+                  <p:par>
+                    <p:cTn id="3" fill="hold">
+                      <p:stCondLst>
+                        <p:cond delay="indefinite"/>
+                      </p:stCondLst>
+                      <p:childTnLst>
+                        <p:par>
+                          <p:cTn id="4" fill="hold">
+                            <p:stCondLst>
+                              <p:cond delay="0"/>
+                            </p:stCondLst>
+                            <p:childTnLst>
+                              <p:par>
+                                <p:cTn id="5" presetID="1" presetClass="entr" presetSubtype="0" fill="hold" nodeType="clickEffect">
+                                  <p:stCondLst>
+                                    <p:cond delay="0"/>
+                                  </p:stCondLst>
+                                  <p:childTnLst>
+                                    <p:set>
+                                      <p:cBhvr>
+                                        <p:cTn id="6" dur="1" fill="hold">
+                                          <p:stCondLst>
+                                            <p:cond delay="0"/>
+                                          </p:stCondLst>
+                                        </p:cTn>
+                                        <p:tgtEl>
+                                          <p:spTgt spid="3">
+                                            <p:txEl>
+                                              <p:pRg st="2" end="2"/>
+                                            </p:txEl>
+                                          </p:spTgt>
+                                        </p:tgtEl>
+                                        <p:attrNameLst>
+                                          <p:attrName>style.visibility</p:attrName>
+                                        </p:attrNameLst>
+                                      </p:cBhvr>
+                                      <p:to>
+                                        <p:strVal val="visible"/>
+                                      </p:to>
+                                    </p:set>
+                                  </p:childTnLst>
+                                </p:cTn>
+                              </p:par>
+                            </p:childTnLst>
+                          </p:cTn>
+                        </p:par>
+                      </p:childTnLst>
+                    </p:cTn>
+                  </p:par>
+                </p:childTnLst>
+              </p:cTn>
+              <p:prevCondLst>
+                <p:cond evt="onPrev" delay="0">
+                  <p:tgtEl>
+                    <p:sldTgt/>
+                  </p:tgtEl>
+                </p:cond>
+              </p:prevCondLst>
+              <p:nextCondLst>
+                <p:cond evt="onNext" delay="0">
+                  <p:tgtEl>
+                    <p:sldTgt/>
+                  </p:tgtEl>
+                </p:cond>
+              </p:nextCondLst>
+            </p:seq>
+          </p:childTnLst>
+        </p:cTn>
+      </p:par>
+    </p:tnLst>
+  </p:timing>
 </p:sld>
 </file>
 
@@ -6570,7 +6740,7 @@
           <a:p>
             <a:r>
               <a:rPr lang="en-US" sz="1800" dirty="0"/>
-              <a:t>We use Inspector as part of a remediation pipeline. Is Inspector a protect or detect service (or both – or other)?</a:t>
+              <a:t>We use Inspector to investigate the threat. Is Inspector a protect or detect service (or both – or other)?</a:t>
             </a:r>
           </a:p>
         </p:txBody>
@@ -6767,7 +6937,7 @@
             </a:pPr>
             <a:r>
               <a:rPr lang="en-US" sz="1800" dirty="0"/>
-              <a:t>What combination of data points would lead you to consider automatically terminating the compromised instances?</a:t>
+              <a:t>What combination of data points regarding a threat would lead you to consider automatically terminating a compromised instance?</a:t>
             </a:r>
           </a:p>
         </p:txBody>
@@ -6782,6 +6952,85 @@
   <p:clrMapOvr>
     <a:masterClrMapping/>
   </p:clrMapOvr>
+  <p:timing>
+    <p:tnLst>
+      <p:par>
+        <p:cTn id="1" dur="indefinite" restart="never" nodeType="tmRoot">
+          <p:childTnLst>
+            <p:seq concurrent="1" nextAc="seek">
+              <p:cTn id="2" dur="indefinite" nodeType="mainSeq">
+                <p:childTnLst>
+                  <p:par>
+                    <p:cTn id="3" fill="hold">
+                      <p:stCondLst>
+                        <p:cond delay="indefinite"/>
+                      </p:stCondLst>
+                      <p:childTnLst>
+                        <p:par>
+                          <p:cTn id="4" fill="hold">
+                            <p:stCondLst>
+                              <p:cond delay="0"/>
+                            </p:stCondLst>
+                            <p:childTnLst>
+                              <p:par>
+                                <p:cTn id="5" presetID="1" presetClass="entr" presetSubtype="0" fill="hold" nodeType="clickEffect">
+                                  <p:stCondLst>
+                                    <p:cond delay="0"/>
+                                  </p:stCondLst>
+                                  <p:childTnLst>
+                                    <p:set>
+                                      <p:cBhvr>
+                                        <p:cTn id="6" dur="1" fill="hold">
+                                          <p:stCondLst>
+                                            <p:cond delay="0"/>
+                                          </p:stCondLst>
+                                        </p:cTn>
+                                        <p:tgtEl>
+                                          <p:spTgt spid="3">
+                                            <p:txEl>
+                                              <p:pRg st="2" end="2"/>
+                                            </p:txEl>
+                                          </p:spTgt>
+                                        </p:tgtEl>
+                                        <p:attrNameLst>
+                                          <p:attrName>style.visibility</p:attrName>
+                                        </p:attrNameLst>
+                                      </p:cBhvr>
+                                      <p:to>
+                                        <p:strVal val="visible"/>
+                                      </p:to>
+                                    </p:set>
+                                  </p:childTnLst>
+                                </p:cTn>
+                              </p:par>
+                            </p:childTnLst>
+                          </p:cTn>
+                        </p:par>
+                      </p:childTnLst>
+                    </p:cTn>
+                  </p:par>
+                </p:childTnLst>
+              </p:cTn>
+              <p:prevCondLst>
+                <p:cond evt="onPrev" delay="0">
+                  <p:tgtEl>
+                    <p:sldTgt/>
+                  </p:tgtEl>
+                </p:cond>
+              </p:prevCondLst>
+              <p:nextCondLst>
+                <p:cond evt="onNext" delay="0">
+                  <p:tgtEl>
+                    <p:sldTgt/>
+                  </p:tgtEl>
+                </p:cond>
+              </p:nextCondLst>
+            </p:seq>
+          </p:childTnLst>
+        </p:cTn>
+      </p:par>
+    </p:tnLst>
+  </p:timing>
 </p:sld>
 </file>
 
@@ -6882,6 +7131,85 @@
   <p:clrMapOvr>
     <a:masterClrMapping/>
   </p:clrMapOvr>
+  <p:timing>
+    <p:tnLst>
+      <p:par>
+        <p:cTn id="1" dur="indefinite" restart="never" nodeType="tmRoot">
+          <p:childTnLst>
+            <p:seq concurrent="1" nextAc="seek">
+              <p:cTn id="2" dur="indefinite" nodeType="mainSeq">
+                <p:childTnLst>
+                  <p:par>
+                    <p:cTn id="3" fill="hold">
+                      <p:stCondLst>
+                        <p:cond delay="indefinite"/>
+                      </p:stCondLst>
+                      <p:childTnLst>
+                        <p:par>
+                          <p:cTn id="4" fill="hold">
+                            <p:stCondLst>
+                              <p:cond delay="0"/>
+                            </p:stCondLst>
+                            <p:childTnLst>
+                              <p:par>
+                                <p:cTn id="5" presetID="1" presetClass="entr" presetSubtype="0" fill="hold" nodeType="clickEffect">
+                                  <p:stCondLst>
+                                    <p:cond delay="0"/>
+                                  </p:stCondLst>
+                                  <p:childTnLst>
+                                    <p:set>
+                                      <p:cBhvr>
+                                        <p:cTn id="6" dur="1" fill="hold">
+                                          <p:stCondLst>
+                                            <p:cond delay="0"/>
+                                          </p:stCondLst>
+                                        </p:cTn>
+                                        <p:tgtEl>
+                                          <p:spTgt spid="3">
+                                            <p:txEl>
+                                              <p:pRg st="2" end="2"/>
+                                            </p:txEl>
+                                          </p:spTgt>
+                                        </p:tgtEl>
+                                        <p:attrNameLst>
+                                          <p:attrName>style.visibility</p:attrName>
+                                        </p:attrNameLst>
+                                      </p:cBhvr>
+                                      <p:to>
+                                        <p:strVal val="visible"/>
+                                      </p:to>
+                                    </p:set>
+                                  </p:childTnLst>
+                                </p:cTn>
+                              </p:par>
+                            </p:childTnLst>
+                          </p:cTn>
+                        </p:par>
+                      </p:childTnLst>
+                    </p:cTn>
+                  </p:par>
+                </p:childTnLst>
+              </p:cTn>
+              <p:prevCondLst>
+                <p:cond evt="onPrev" delay="0">
+                  <p:tgtEl>
+                    <p:sldTgt/>
+                  </p:tgtEl>
+                </p:cond>
+              </p:prevCondLst>
+              <p:nextCondLst>
+                <p:cond evt="onNext" delay="0">
+                  <p:tgtEl>
+                    <p:sldTgt/>
+                  </p:tgtEl>
+                </p:cond>
+              </p:nextCondLst>
+            </p:seq>
+          </p:childTnLst>
+        </p:cTn>
+      </p:par>
+    </p:tnLst>
+  </p:timing>
 </p:sld>
 </file>
 
@@ -6956,33 +7284,6 @@
       </p:grpSpPr>
       <p:sp>
         <p:nvSpPr>
-          <p:cNvPr id="2" name="Title 1"/>
-          <p:cNvSpPr>
-            <a:spLocks noGrp="1"/>
-          </p:cNvSpPr>
-          <p:nvPr>
-            <p:ph type="title"/>
-          </p:nvPr>
-        </p:nvSpPr>
-        <p:spPr>
-          <a:xfrm>
-            <a:off x="336789" y="6391"/>
-            <a:ext cx="8205304" cy="545741"/>
-          </a:xfrm>
-        </p:spPr>
-        <p:txBody>
-          <a:bodyPr/>
-          <a:lstStyle/>
-          <a:p>
-            <a:r>
-              <a:rPr lang="en-US" dirty="0"/>
-              <a:t>Links we discussed</a:t>
-            </a:r>
-          </a:p>
-        </p:txBody>
-      </p:sp>
-      <p:sp>
-        <p:nvSpPr>
           <p:cNvPr id="4" name="Content Placeholder 3">
             <a:extLst>
               <a:ext uri="{FF2B5EF4-FFF2-40B4-BE49-F238E27FC236}">
@@ -7000,7 +7301,7 @@
         <p:spPr>
           <a:xfrm>
             <a:off x="336789" y="770246"/>
-            <a:ext cx="8682086" cy="3859518"/>
+            <a:ext cx="8682086" cy="4524315"/>
           </a:xfrm>
           <a:prstGeom prst="rect">
             <a:avLst/>
@@ -7013,8 +7314,12 @@
           </a:bodyPr>
           <a:lstStyle/>
           <a:p>
-            <a:r>
-              <a:rPr lang="en-US" sz="1800" dirty="0">
+            <a:pPr marL="285750" indent="-285750">
+              <a:buFont typeface="Arial" panose="020B0604020202020204" pitchFamily="34" charset="0"/>
+              <a:buChar char="•"/>
+            </a:pPr>
+            <a:r>
+              <a:rPr lang="en-US" sz="2000" dirty="0">
                 <a:solidFill>
                   <a:srgbClr val="414042"/>
                 </a:solidFill>
@@ -7025,7 +7330,7 @@
               </a:rPr>
               <a:t>https://aws.amazon.com/security/</a:t>
             </a:r>
-            <a:endParaRPr lang="en-US" sz="1800" dirty="0">
+            <a:endParaRPr lang="en-US" sz="2000" dirty="0">
               <a:solidFill>
                 <a:srgbClr val="414042"/>
               </a:solidFill>
@@ -7035,7 +7340,11 @@
             </a:endParaRPr>
           </a:p>
           <a:p>
-            <a:endParaRPr lang="en-US" sz="1800" dirty="0">
+            <a:pPr marL="285750" indent="-285750">
+              <a:buFont typeface="Arial" panose="020B0604020202020204" pitchFamily="34" charset="0"/>
+              <a:buChar char="•"/>
+            </a:pPr>
+            <a:endParaRPr lang="en-US" sz="2000" dirty="0">
               <a:solidFill>
                 <a:srgbClr val="414042"/>
               </a:solidFill>
@@ -7045,8 +7354,12 @@
             </a:endParaRPr>
           </a:p>
           <a:p>
-            <a:r>
-              <a:rPr lang="en-US" sz="1800" dirty="0">
+            <a:pPr marL="285750" indent="-285750">
+              <a:buFont typeface="Arial" panose="020B0604020202020204" pitchFamily="34" charset="0"/>
+              <a:buChar char="•"/>
+            </a:pPr>
+            <a:r>
+              <a:rPr lang="en-US" sz="2000" dirty="0">
                 <a:latin typeface="Amazon Ember" panose="020B0603020204020204" pitchFamily="34" charset="0"/>
                 <a:ea typeface="Amazon Ember" panose="020B0603020204020204" pitchFamily="34" charset="0"/>
                 <a:cs typeface="Amazon Ember" panose="020B0603020204020204" pitchFamily="34" charset="0"/>
@@ -7055,7 +7368,7 @@
               <a:t>https://www.verizonenterprise.com/resources/reports/rp_DBIR_2018_Report_en_xg.pdf</a:t>
             </a:r>
             <a:r>
-              <a:rPr lang="en-US" sz="1800" dirty="0">
+              <a:rPr lang="en-US" sz="2000" dirty="0">
                 <a:latin typeface="Amazon Ember" panose="020B0603020204020204" pitchFamily="34" charset="0"/>
                 <a:ea typeface="Amazon Ember" panose="020B0603020204020204" pitchFamily="34" charset="0"/>
                 <a:cs typeface="Amazon Ember" panose="020B0603020204020204" pitchFamily="34" charset="0"/>
@@ -7064,15 +7377,23 @@
             </a:r>
           </a:p>
           <a:p>
-            <a:endParaRPr lang="en-US" sz="1800" dirty="0">
+            <a:pPr marL="285750" indent="-285750">
+              <a:buFont typeface="Arial" panose="020B0604020202020204" pitchFamily="34" charset="0"/>
+              <a:buChar char="•"/>
+            </a:pPr>
+            <a:endParaRPr lang="en-US" sz="2000" dirty="0">
               <a:latin typeface="Amazon Ember" panose="020B0603020204020204" pitchFamily="34" charset="0"/>
               <a:ea typeface="Amazon Ember" panose="020B0603020204020204" pitchFamily="34" charset="0"/>
               <a:cs typeface="Amazon Ember" panose="020B0603020204020204" pitchFamily="34" charset="0"/>
             </a:endParaRPr>
           </a:p>
           <a:p>
-            <a:r>
-              <a:rPr lang="en-US" sz="1800" dirty="0">
+            <a:pPr marL="285750" indent="-285750">
+              <a:buFont typeface="Arial" panose="020B0604020202020204" pitchFamily="34" charset="0"/>
+              <a:buChar char="•"/>
+            </a:pPr>
+            <a:r>
+              <a:rPr lang="en-US" sz="2000" dirty="0">
                 <a:latin typeface="Amazon Ember" panose="020B0603020204020204" pitchFamily="34" charset="0"/>
                 <a:ea typeface="Amazon Ember" panose="020B0603020204020204" pitchFamily="34" charset="0"/>
                 <a:cs typeface="Amazon Ember" panose="020B0603020204020204" pitchFamily="34" charset="0"/>
@@ -7081,7 +7402,7 @@
               <a:t>https://www.nist.gov/cyberframework</a:t>
             </a:r>
             <a:r>
-              <a:rPr lang="en-US" sz="1800" dirty="0">
+              <a:rPr lang="en-US" sz="2000" dirty="0">
                 <a:latin typeface="Amazon Ember" panose="020B0603020204020204" pitchFamily="34" charset="0"/>
                 <a:ea typeface="Amazon Ember" panose="020B0603020204020204" pitchFamily="34" charset="0"/>
                 <a:cs typeface="Amazon Ember" panose="020B0603020204020204" pitchFamily="34" charset="0"/>
@@ -7090,15 +7411,23 @@
             </a:r>
           </a:p>
           <a:p>
-            <a:endParaRPr lang="en-US" sz="1800" dirty="0">
+            <a:pPr marL="285750" indent="-285750">
+              <a:buFont typeface="Arial" panose="020B0604020202020204" pitchFamily="34" charset="0"/>
+              <a:buChar char="•"/>
+            </a:pPr>
+            <a:endParaRPr lang="en-US" sz="2000" dirty="0">
               <a:latin typeface="Amazon Ember" panose="020B0603020204020204" pitchFamily="34" charset="0"/>
               <a:ea typeface="Amazon Ember" panose="020B0603020204020204" pitchFamily="34" charset="0"/>
               <a:cs typeface="Amazon Ember" panose="020B0603020204020204" pitchFamily="34" charset="0"/>
             </a:endParaRPr>
           </a:p>
           <a:p>
-            <a:r>
-              <a:rPr lang="en-US" sz="1800" dirty="0">
+            <a:pPr marL="285750" indent="-285750">
+              <a:buFont typeface="Arial" panose="020B0604020202020204" pitchFamily="34" charset="0"/>
+              <a:buChar char="•"/>
+            </a:pPr>
+            <a:r>
+              <a:rPr lang="en-US" sz="2000" dirty="0">
                 <a:latin typeface="Amazon Ember" panose="020B0603020204020204" pitchFamily="34" charset="0"/>
                 <a:ea typeface="Amazon Ember" panose="020B0603020204020204" pitchFamily="34" charset="0"/>
                 <a:cs typeface="Amazon Ember" panose="020B0603020204020204" pitchFamily="34" charset="0"/>
@@ -7107,7 +7436,7 @@
               <a:t>https://d0.awsstatic.com/whitepapers/AWS_CAF_Security_Perspective.pdf</a:t>
             </a:r>
             <a:r>
-              <a:rPr lang="en-US" sz="1800" dirty="0">
+              <a:rPr lang="en-US" sz="2000" dirty="0">
                 <a:latin typeface="Amazon Ember" panose="020B0603020204020204" pitchFamily="34" charset="0"/>
                 <a:ea typeface="Amazon Ember" panose="020B0603020204020204" pitchFamily="34" charset="0"/>
                 <a:cs typeface="Amazon Ember" panose="020B0603020204020204" pitchFamily="34" charset="0"/>
@@ -7116,15 +7445,23 @@
             </a:r>
           </a:p>
           <a:p>
-            <a:endParaRPr lang="en-US" sz="1800" dirty="0">
+            <a:pPr marL="285750" indent="-285750">
+              <a:buFont typeface="Arial" panose="020B0604020202020204" pitchFamily="34" charset="0"/>
+              <a:buChar char="•"/>
+            </a:pPr>
+            <a:endParaRPr lang="en-US" sz="2000" dirty="0">
               <a:latin typeface="Amazon Ember" panose="020B0603020204020204" pitchFamily="34" charset="0"/>
               <a:ea typeface="Amazon Ember" panose="020B0603020204020204" pitchFamily="34" charset="0"/>
               <a:cs typeface="Amazon Ember" panose="020B0603020204020204" pitchFamily="34" charset="0"/>
             </a:endParaRPr>
           </a:p>
           <a:p>
-            <a:r>
-              <a:rPr lang="en-US" sz="1800" dirty="0">
+            <a:pPr marL="285750" indent="-285750">
+              <a:buFont typeface="Arial" panose="020B0604020202020204" pitchFamily="34" charset="0"/>
+              <a:buChar char="•"/>
+            </a:pPr>
+            <a:r>
+              <a:rPr lang="en-US" sz="2000" dirty="0">
                 <a:latin typeface="Amazon Ember" panose="020B0603020204020204" pitchFamily="34" charset="0"/>
                 <a:ea typeface="Amazon Ember" panose="020B0603020204020204" pitchFamily="34" charset="0"/>
                 <a:cs typeface="Amazon Ember" panose="020B0603020204020204" pitchFamily="34" charset="0"/>
@@ -7133,7 +7470,7 @@
               <a:t>https://www.forbes.com/forbesinsights/bmc_security/index.html</a:t>
             </a:r>
             <a:r>
-              <a:rPr lang="en-US" sz="1800" dirty="0">
+              <a:rPr lang="en-US" sz="2000" dirty="0">
                 <a:latin typeface="Amazon Ember" panose="020B0603020204020204" pitchFamily="34" charset="0"/>
                 <a:ea typeface="Amazon Ember" panose="020B0603020204020204" pitchFamily="34" charset="0"/>
                 <a:cs typeface="Amazon Ember" panose="020B0603020204020204" pitchFamily="34" charset="0"/>
@@ -7157,6 +7494,39 @@
               <a:ea typeface="Amazon Ember" panose="020B0603020204020204" pitchFamily="34" charset="0"/>
               <a:cs typeface="Amazon Ember" panose="020B0603020204020204" pitchFamily="34" charset="0"/>
             </a:endParaRPr>
+          </a:p>
+        </p:txBody>
+      </p:sp>
+      <p:sp>
+        <p:nvSpPr>
+          <p:cNvPr id="6" name="Title 1">
+            <a:extLst>
+              <a:ext uri="{FF2B5EF4-FFF2-40B4-BE49-F238E27FC236}">
+                <a16:creationId xmlns:a16="http://schemas.microsoft.com/office/drawing/2014/main" id="{B76E9637-004D-F146-ACBC-996C1C46EF08}"/>
+              </a:ext>
+            </a:extLst>
+          </p:cNvPr>
+          <p:cNvSpPr>
+            <a:spLocks noGrp="1"/>
+          </p:cNvSpPr>
+          <p:nvPr>
+            <p:ph type="title"/>
+          </p:nvPr>
+        </p:nvSpPr>
+        <p:spPr>
+          <a:xfrm>
+            <a:off x="336789" y="114936"/>
+            <a:ext cx="8205304" cy="545192"/>
+          </a:xfrm>
+        </p:spPr>
+        <p:txBody>
+          <a:bodyPr/>
+          <a:lstStyle/>
+          <a:p>
+            <a:r>
+              <a:rPr lang="en-US" dirty="0"/>
+              <a:t>Links for items we discussed</a:t>
+            </a:r>
           </a:p>
         </p:txBody>
       </p:sp>
@@ -7845,7 +8215,7 @@
         <p:spPr>
           <a:xfrm>
             <a:off x="2716135" y="-87254"/>
-            <a:ext cx="4749894" cy="4885012"/>
+            <a:ext cx="4749894" cy="4885011"/>
           </a:xfrm>
         </p:spPr>
       </p:pic>
@@ -7932,8 +8302,8 @@
         </p:blipFill>
         <p:spPr>
           <a:xfrm>
-            <a:off x="2014582" y="0"/>
-            <a:ext cx="6678340" cy="4701952"/>
+            <a:off x="2019641" y="0"/>
+            <a:ext cx="6668222" cy="4701952"/>
           </a:xfrm>
         </p:spPr>
       </p:pic>
@@ -7991,8 +8361,8 @@
         </p:blipFill>
         <p:spPr>
           <a:xfrm>
-            <a:off x="2083467" y="-106736"/>
-            <a:ext cx="7134425" cy="4801155"/>
+            <a:off x="2364509" y="-106736"/>
+            <a:ext cx="6580580" cy="4795151"/>
           </a:xfrm>
         </p:spPr>
       </p:pic>
@@ -8258,7 +8628,7 @@
             </a:pPr>
             <a:r>
               <a:rPr lang="en-US" sz="1800" dirty="0"/>
-              <a:t>Why is this a ”side-effect” of the simulated attack in this workshop? (hint: how does that differ from the medium severity brute force finding we investigated?)</a:t>
+              <a:t>Why is this a ”side-effect” of the simulated attack in this workshop? (hint: how does that differ from the low severity brute force finding we investigated?)</a:t>
             </a:r>
           </a:p>
         </p:txBody>
@@ -9013,6 +9383,15 @@
 </file>
 
 <file path=customXml/item1.xml><?xml version="1.0" encoding="utf-8"?>
+<?mso-contentType ?>
+<FormTemplates xmlns="http://schemas.microsoft.com/sharepoint/v3/contenttype/forms">
+  <Display>DocumentLibraryForm</Display>
+  <Edit>DocumentLibraryForm</Edit>
+  <New>DocumentLibraryForm</New>
+</FormTemplates>
+</file>
+
+<file path=customXml/item2.xml><?xml version="1.0" encoding="utf-8"?>
 <ct:contentTypeSchema xmlns:ct="http://schemas.microsoft.com/office/2006/metadata/contentType" xmlns:ma="http://schemas.microsoft.com/office/2006/metadata/properties/metaAttributes" ct:_="" ma:_="" ma:contentTypeName="Document" ma:contentTypeID="0x010100D26A3D6C04DFD740953BA1B2B9E62D60" ma:contentTypeVersion="0" ma:contentTypeDescription="Create a new document." ma:contentTypeScope="" ma:versionID="26617cd14cd3af163c0e97ff614e520a">
   <xsd:schema xmlns:xsd="http://www.w3.org/2001/XMLSchema" xmlns:xs="http://www.w3.org/2001/XMLSchema" xmlns:p="http://schemas.microsoft.com/office/2006/metadata/properties" targetNamespace="http://schemas.microsoft.com/office/2006/metadata/properties" ma:root="true" ma:fieldsID="c64490b4aec6201516c3a874156f37b2">
     <xsd:element name="properties">
@@ -9126,15 +9505,6 @@
 </ct:contentTypeSchema>
 </file>
 
-<file path=customXml/item2.xml><?xml version="1.0" encoding="utf-8"?>
-<?mso-contentType ?>
-<FormTemplates xmlns="http://schemas.microsoft.com/sharepoint/v3/contenttype/forms">
-  <Display>DocumentLibraryForm</Display>
-  <Edit>DocumentLibraryForm</Edit>
-  <New>DocumentLibraryForm</New>
-</FormTemplates>
-</file>
-
 <file path=customXml/item3.xml><?xml version="1.0" encoding="utf-8"?>
 <p:properties xmlns:p="http://schemas.microsoft.com/office/2006/metadata/properties" xmlns:xsi="http://www.w3.org/2001/XMLSchema-instance">
   <documentManagement/>
@@ -9142,6 +9512,14 @@
 </file>
 
 <file path=customXml/itemProps1.xml><?xml version="1.0" encoding="utf-8"?>
+<ds:datastoreItem xmlns:ds="http://schemas.openxmlformats.org/officeDocument/2006/customXml" ds:itemID="{705B35A6-8B52-46A5-AE45-B98C6459DC10}">
+  <ds:schemaRefs>
+    <ds:schemaRef ds:uri="http://schemas.microsoft.com/sharepoint/v3/contenttype/forms"/>
+  </ds:schemaRefs>
+</ds:datastoreItem>
+</file>
+
+<file path=customXml/itemProps2.xml><?xml version="1.0" encoding="utf-8"?>
 <ds:datastoreItem xmlns:ds="http://schemas.openxmlformats.org/officeDocument/2006/customXml" ds:itemID="{51A3258A-222C-4488-825E-7520D001FB75}">
   <ds:schemaRefs>
     <ds:schemaRef ds:uri="http://schemas.microsoft.com/office/2006/metadata/contentType"/>
@@ -9153,14 +9531,6 @@
     <ds:schemaRef ds:uri="http://purl.org/dc/terms/"/>
     <ds:schemaRef ds:uri="http://schemas.microsoft.com/internal/obd"/>
     <ds:schemaRef ds:uri="http://schemas.microsoft.com/office/infopath/2007/PartnerControls"/>
-  </ds:schemaRefs>
-</ds:datastoreItem>
-</file>
-
-<file path=customXml/itemProps2.xml><?xml version="1.0" encoding="utf-8"?>
-<ds:datastoreItem xmlns:ds="http://schemas.openxmlformats.org/officeDocument/2006/customXml" ds:itemID="{705B35A6-8B52-46A5-AE45-B98C6459DC10}">
-  <ds:schemaRefs>
-    <ds:schemaRef ds:uri="http://schemas.microsoft.com/sharepoint/v3/contenttype/forms"/>
   </ds:schemaRefs>
 </ds:datastoreItem>
 </file>

--- a/threat-detection-wksp/presentations/threat-detection-wksp-module4-presentation.pptx
+++ b/threat-detection-wksp/presentations/threat-detection-wksp-module4-presentation.pptx
@@ -391,7 +391,7 @@
             <a:fld id="{0B25AC41-3BEC-9247-8322-91B80C013F2D}" type="datetimeFigureOut">
               <a:rPr lang="en-US" smtClean="0"/>
               <a:pPr/>
-              <a:t>7/10/18</a:t>
+              <a:t>9/4/18</a:t>
             </a:fld>
             <a:endParaRPr lang="en-US" dirty="0"/>
           </a:p>
@@ -6767,8 +6767,8 @@
         </p:blipFill>
         <p:spPr>
           <a:xfrm>
-            <a:off x="4110183" y="1194441"/>
-            <a:ext cx="3860800" cy="3607521"/>
+            <a:off x="4054763" y="1133537"/>
+            <a:ext cx="3297383" cy="3081066"/>
           </a:xfrm>
           <a:prstGeom prst="rect">
             <a:avLst/>
@@ -6789,8 +6789,8 @@
         </p:nvSpPr>
         <p:spPr>
           <a:xfrm>
-            <a:off x="336789" y="4432630"/>
-            <a:ext cx="4248279" cy="369332"/>
+            <a:off x="895842" y="4342880"/>
+            <a:ext cx="7157729" cy="307777"/>
           </a:xfrm>
           <a:prstGeom prst="rect">
             <a:avLst/>
@@ -6803,15 +6803,15 @@
           <a:lstStyle/>
           <a:p>
             <a:r>
-              <a:rPr lang="en-US" dirty="0">
+              <a:rPr lang="en-US" sz="1400" dirty="0">
                 <a:latin typeface="Amazon Ember" panose="020B0603020204020204" pitchFamily="34" charset="0"/>
                 <a:ea typeface="Amazon Ember" panose="020B0603020204020204" pitchFamily="34" charset="0"/>
                 <a:cs typeface="Amazon Ember" panose="020B0603020204020204" pitchFamily="34" charset="0"/>
               </a:rPr>
-              <a:t>https://</a:t>
-            </a:r>
-            <a:r>
-              <a:rPr lang="en-US" dirty="0" err="1">
+              <a:t>Source: NIST Cybersecurity Framework, 2018  - https://</a:t>
+            </a:r>
+            <a:r>
+              <a:rPr lang="en-US" sz="1400" dirty="0" err="1">
                 <a:latin typeface="Amazon Ember" panose="020B0603020204020204" pitchFamily="34" charset="0"/>
                 <a:ea typeface="Amazon Ember" panose="020B0603020204020204" pitchFamily="34" charset="0"/>
                 <a:cs typeface="Amazon Ember" panose="020B0603020204020204" pitchFamily="34" charset="0"/>
@@ -6819,7 +6819,7 @@
               <a:t>www.nist.gov</a:t>
             </a:r>
             <a:r>
-              <a:rPr lang="en-US" dirty="0">
+              <a:rPr lang="en-US" sz="1400" dirty="0">
                 <a:latin typeface="Amazon Ember" panose="020B0603020204020204" pitchFamily="34" charset="0"/>
                 <a:ea typeface="Amazon Ember" panose="020B0603020204020204" pitchFamily="34" charset="0"/>
                 <a:cs typeface="Amazon Ember" panose="020B0603020204020204" pitchFamily="34" charset="0"/>
@@ -6827,14 +6827,14 @@
               <a:t>/</a:t>
             </a:r>
             <a:r>
-              <a:rPr lang="en-US" dirty="0" err="1">
+              <a:rPr lang="en-US" sz="1400" dirty="0" err="1">
                 <a:latin typeface="Amazon Ember" panose="020B0603020204020204" pitchFamily="34" charset="0"/>
                 <a:ea typeface="Amazon Ember" panose="020B0603020204020204" pitchFamily="34" charset="0"/>
                 <a:cs typeface="Amazon Ember" panose="020B0603020204020204" pitchFamily="34" charset="0"/>
               </a:rPr>
               <a:t>cyberframework</a:t>
             </a:r>
-            <a:endParaRPr lang="en-US" dirty="0">
+            <a:endParaRPr lang="en-US" sz="1400" dirty="0">
               <a:latin typeface="Amazon Ember" panose="020B0603020204020204" pitchFamily="34" charset="0"/>
               <a:ea typeface="Amazon Ember" panose="020B0603020204020204" pitchFamily="34" charset="0"/>
               <a:cs typeface="Amazon Ember" panose="020B0603020204020204" pitchFamily="34" charset="0"/>
@@ -6920,7 +6920,7 @@
             </a:pPr>
             <a:r>
               <a:rPr lang="en-US" sz="1800" dirty="0"/>
-              <a:t>Would you consider a single SSH brute force attack finding by itself be enough to kick off an automated action to add an ACL to block the source of the attack? </a:t>
+              <a:t>Would you consider a single SSH brute force attack finding by itself enough to kick off an automated action to add an ACL to block the source of the attack? </a:t>
             </a:r>
           </a:p>
           <a:p>
@@ -6937,7 +6937,7 @@
             </a:pPr>
             <a:r>
               <a:rPr lang="en-US" sz="1800" dirty="0"/>
-              <a:t>What combination of data points regarding a threat would lead you to consider automatically terminating a compromised instance?</a:t>
+              <a:t>What combination of data points regarding a threat would lead you to consider automatically stop a compromised instance?</a:t>
             </a:r>
           </a:p>
         </p:txBody>
@@ -7326,18 +7326,9 @@
                 <a:latin typeface="Amazon Ember" panose="020B0603020204020204" pitchFamily="34" charset="0"/>
                 <a:ea typeface="Amazon Ember" panose="020B0603020204020204" pitchFamily="34" charset="0"/>
                 <a:cs typeface="Amazon Ember" panose="020B0603020204020204" pitchFamily="34" charset="0"/>
-                <a:hlinkClick r:id="rId3"/>
               </a:rPr>
               <a:t>https://aws.amazon.com/security/</a:t>
             </a:r>
-            <a:endParaRPr lang="en-US" sz="2000" dirty="0">
-              <a:solidFill>
-                <a:srgbClr val="414042"/>
-              </a:solidFill>
-              <a:latin typeface="Amazon Ember" panose="020B0603020204020204" pitchFamily="34" charset="0"/>
-              <a:ea typeface="Amazon Ember" panose="020B0603020204020204" pitchFamily="34" charset="0"/>
-              <a:cs typeface="Amazon Ember" panose="020B0603020204020204" pitchFamily="34" charset="0"/>
-            </a:endParaRPr>
           </a:p>
           <a:p>
             <a:pPr marL="285750" indent="-285750">
@@ -7363,17 +7354,8 @@
                 <a:latin typeface="Amazon Ember" panose="020B0603020204020204" pitchFamily="34" charset="0"/>
                 <a:ea typeface="Amazon Ember" panose="020B0603020204020204" pitchFamily="34" charset="0"/>
                 <a:cs typeface="Amazon Ember" panose="020B0603020204020204" pitchFamily="34" charset="0"/>
-                <a:hlinkClick r:id="rId4"/>
               </a:rPr>
-              <a:t>https://www.verizonenterprise.com/resources/reports/rp_DBIR_2018_Report_en_xg.pdf</a:t>
-            </a:r>
-            <a:r>
-              <a:rPr lang="en-US" sz="2000" dirty="0">
-                <a:latin typeface="Amazon Ember" panose="020B0603020204020204" pitchFamily="34" charset="0"/>
-                <a:ea typeface="Amazon Ember" panose="020B0603020204020204" pitchFamily="34" charset="0"/>
-                <a:cs typeface="Amazon Ember" panose="020B0603020204020204" pitchFamily="34" charset="0"/>
-              </a:rPr>
-              <a:t> </a:t>
+              <a:t>https://www.verizonenterprise.com/resources/reports/rp_DBIR_2018_Report_en_xg.pdf </a:t>
             </a:r>
           </a:p>
           <a:p>
@@ -7397,17 +7379,8 @@
                 <a:latin typeface="Amazon Ember" panose="020B0603020204020204" pitchFamily="34" charset="0"/>
                 <a:ea typeface="Amazon Ember" panose="020B0603020204020204" pitchFamily="34" charset="0"/>
                 <a:cs typeface="Amazon Ember" panose="020B0603020204020204" pitchFamily="34" charset="0"/>
-                <a:hlinkClick r:id="rId5"/>
               </a:rPr>
-              <a:t>https://www.nist.gov/cyberframework</a:t>
-            </a:r>
-            <a:r>
-              <a:rPr lang="en-US" sz="2000" dirty="0">
-                <a:latin typeface="Amazon Ember" panose="020B0603020204020204" pitchFamily="34" charset="0"/>
-                <a:ea typeface="Amazon Ember" panose="020B0603020204020204" pitchFamily="34" charset="0"/>
-                <a:cs typeface="Amazon Ember" panose="020B0603020204020204" pitchFamily="34" charset="0"/>
-              </a:rPr>
-              <a:t> </a:t>
+              <a:t>https://www.nist.gov/cyberframework </a:t>
             </a:r>
           </a:p>
           <a:p>
@@ -7431,17 +7404,8 @@
                 <a:latin typeface="Amazon Ember" panose="020B0603020204020204" pitchFamily="34" charset="0"/>
                 <a:ea typeface="Amazon Ember" panose="020B0603020204020204" pitchFamily="34" charset="0"/>
                 <a:cs typeface="Amazon Ember" panose="020B0603020204020204" pitchFamily="34" charset="0"/>
-                <a:hlinkClick r:id="rId6"/>
               </a:rPr>
-              <a:t>https://d0.awsstatic.com/whitepapers/AWS_CAF_Security_Perspective.pdf</a:t>
-            </a:r>
-            <a:r>
-              <a:rPr lang="en-US" sz="2000" dirty="0">
-                <a:latin typeface="Amazon Ember" panose="020B0603020204020204" pitchFamily="34" charset="0"/>
-                <a:ea typeface="Amazon Ember" panose="020B0603020204020204" pitchFamily="34" charset="0"/>
-                <a:cs typeface="Amazon Ember" panose="020B0603020204020204" pitchFamily="34" charset="0"/>
-              </a:rPr>
-              <a:t> </a:t>
+              <a:t>https://d0.awsstatic.com/whitepapers/AWS_CAF_Security_Perspective.pdf </a:t>
             </a:r>
           </a:p>
           <a:p>
@@ -7465,17 +7429,8 @@
                 <a:latin typeface="Amazon Ember" panose="020B0603020204020204" pitchFamily="34" charset="0"/>
                 <a:ea typeface="Amazon Ember" panose="020B0603020204020204" pitchFamily="34" charset="0"/>
                 <a:cs typeface="Amazon Ember" panose="020B0603020204020204" pitchFamily="34" charset="0"/>
-                <a:hlinkClick r:id="rId7"/>
               </a:rPr>
-              <a:t>https://www.forbes.com/forbesinsights/bmc_security/index.html</a:t>
-            </a:r>
-            <a:r>
-              <a:rPr lang="en-US" sz="2000" dirty="0">
-                <a:latin typeface="Amazon Ember" panose="020B0603020204020204" pitchFamily="34" charset="0"/>
-                <a:ea typeface="Amazon Ember" panose="020B0603020204020204" pitchFamily="34" charset="0"/>
-                <a:cs typeface="Amazon Ember" panose="020B0603020204020204" pitchFamily="34" charset="0"/>
-              </a:rPr>
-              <a:t> </a:t>
+              <a:t>https://www.forbes.com/forbesinsights/bmc_security/index.html </a:t>
             </a:r>
           </a:p>
           <a:p>
@@ -9392,6 +9347,12 @@
 </file>
 
 <file path=customXml/item2.xml><?xml version="1.0" encoding="utf-8"?>
+<p:properties xmlns:p="http://schemas.microsoft.com/office/2006/metadata/properties" xmlns:xsi="http://www.w3.org/2001/XMLSchema-instance">
+  <documentManagement/>
+</p:properties>
+</file>
+
+<file path=customXml/item3.xml><?xml version="1.0" encoding="utf-8"?>
 <ct:contentTypeSchema xmlns:ct="http://schemas.microsoft.com/office/2006/metadata/contentType" xmlns:ma="http://schemas.microsoft.com/office/2006/metadata/properties/metaAttributes" ct:_="" ma:_="" ma:contentTypeName="Document" ma:contentTypeID="0x010100D26A3D6C04DFD740953BA1B2B9E62D60" ma:contentTypeVersion="0" ma:contentTypeDescription="Create a new document." ma:contentTypeScope="" ma:versionID="26617cd14cd3af163c0e97ff614e520a">
   <xsd:schema xmlns:xsd="http://www.w3.org/2001/XMLSchema" xmlns:xs="http://www.w3.org/2001/XMLSchema" xmlns:p="http://schemas.microsoft.com/office/2006/metadata/properties" targetNamespace="http://schemas.microsoft.com/office/2006/metadata/properties" ma:root="true" ma:fieldsID="c64490b4aec6201516c3a874156f37b2">
     <xsd:element name="properties">
@@ -9505,12 +9466,6 @@
 </ct:contentTypeSchema>
 </file>
 
-<file path=customXml/item3.xml><?xml version="1.0" encoding="utf-8"?>
-<p:properties xmlns:p="http://schemas.microsoft.com/office/2006/metadata/properties" xmlns:xsi="http://www.w3.org/2001/XMLSchema-instance">
-  <documentManagement/>
-</p:properties>
-</file>
-
 <file path=customXml/itemProps1.xml><?xml version="1.0" encoding="utf-8"?>
 <ds:datastoreItem xmlns:ds="http://schemas.openxmlformats.org/officeDocument/2006/customXml" ds:itemID="{705B35A6-8B52-46A5-AE45-B98C6459DC10}">
   <ds:schemaRefs>
@@ -9520,6 +9475,21 @@
 </file>
 
 <file path=customXml/itemProps2.xml><?xml version="1.0" encoding="utf-8"?>
+<ds:datastoreItem xmlns:ds="http://schemas.openxmlformats.org/officeDocument/2006/customXml" ds:itemID="{C597C89A-FD0C-431E-81F6-90225B937683}">
+  <ds:schemaRefs>
+    <ds:schemaRef ds:uri="http://schemas.microsoft.com/office/2006/documentManagement/types"/>
+    <ds:schemaRef ds:uri="http://schemas.microsoft.com/office/2006/metadata/properties"/>
+    <ds:schemaRef ds:uri="http://purl.org/dc/terms/"/>
+    <ds:schemaRef ds:uri="http://schemas.openxmlformats.org/package/2006/metadata/core-properties"/>
+    <ds:schemaRef ds:uri="http://purl.org/dc/dcmitype/"/>
+    <ds:schemaRef ds:uri="http://schemas.microsoft.com/office/infopath/2007/PartnerControls"/>
+    <ds:schemaRef ds:uri="http://www.w3.org/XML/1998/namespace"/>
+    <ds:schemaRef ds:uri="http://purl.org/dc/elements/1.1/"/>
+  </ds:schemaRefs>
+</ds:datastoreItem>
+</file>
+
+<file path=customXml/itemProps3.xml><?xml version="1.0" encoding="utf-8"?>
 <ds:datastoreItem xmlns:ds="http://schemas.openxmlformats.org/officeDocument/2006/customXml" ds:itemID="{51A3258A-222C-4488-825E-7520D001FB75}">
   <ds:schemaRefs>
     <ds:schemaRef ds:uri="http://schemas.microsoft.com/office/2006/metadata/contentType"/>
@@ -9533,19 +9503,4 @@
     <ds:schemaRef ds:uri="http://schemas.microsoft.com/office/infopath/2007/PartnerControls"/>
   </ds:schemaRefs>
 </ds:datastoreItem>
-</file>
-
-<file path=customXml/itemProps3.xml><?xml version="1.0" encoding="utf-8"?>
-<ds:datastoreItem xmlns:ds="http://schemas.openxmlformats.org/officeDocument/2006/customXml" ds:itemID="{C597C89A-FD0C-431E-81F6-90225B937683}">
-  <ds:schemaRefs>
-    <ds:schemaRef ds:uri="http://schemas.microsoft.com/office/2006/documentManagement/types"/>
-    <ds:schemaRef ds:uri="http://schemas.microsoft.com/office/2006/metadata/properties"/>
-    <ds:schemaRef ds:uri="http://purl.org/dc/terms/"/>
-    <ds:schemaRef ds:uri="http://schemas.openxmlformats.org/package/2006/metadata/core-properties"/>
-    <ds:schemaRef ds:uri="http://purl.org/dc/dcmitype/"/>
-    <ds:schemaRef ds:uri="http://schemas.microsoft.com/office/infopath/2007/PartnerControls"/>
-    <ds:schemaRef ds:uri="http://www.w3.org/XML/1998/namespace"/>
-    <ds:schemaRef ds:uri="http://purl.org/dc/elements/1.1/"/>
-  </ds:schemaRefs>
-</ds:datastoreItem>
 </file>